--- a/epay.pptx
+++ b/epay.pptx
@@ -290,7 +290,7 @@
             <a:fld id="{530820CF-B880-4189-942D-D702A7CBA730}" type="datetimeFigureOut">
               <a:rPr lang="zh-CN" altLang="en-US" smtClean="0"/>
               <a:pPr/>
-              <a:t>2017/11/6</a:t>
+              <a:t>2017/11/10</a:t>
             </a:fld>
             <a:endParaRPr lang="zh-CN" altLang="en-US"/>
           </a:p>
@@ -457,7 +457,7 @@
             <a:fld id="{530820CF-B880-4189-942D-D702A7CBA730}" type="datetimeFigureOut">
               <a:rPr lang="zh-CN" altLang="en-US" smtClean="0"/>
               <a:pPr/>
-              <a:t>2017/11/6</a:t>
+              <a:t>2017/11/10</a:t>
             </a:fld>
             <a:endParaRPr lang="zh-CN" altLang="en-US"/>
           </a:p>
@@ -634,7 +634,7 @@
             <a:fld id="{530820CF-B880-4189-942D-D702A7CBA730}" type="datetimeFigureOut">
               <a:rPr lang="zh-CN" altLang="en-US" smtClean="0"/>
               <a:pPr/>
-              <a:t>2017/11/6</a:t>
+              <a:t>2017/11/10</a:t>
             </a:fld>
             <a:endParaRPr lang="zh-CN" altLang="en-US"/>
           </a:p>
@@ -801,7 +801,7 @@
             <a:fld id="{530820CF-B880-4189-942D-D702A7CBA730}" type="datetimeFigureOut">
               <a:rPr lang="zh-CN" altLang="en-US" smtClean="0"/>
               <a:pPr/>
-              <a:t>2017/11/6</a:t>
+              <a:t>2017/11/10</a:t>
             </a:fld>
             <a:endParaRPr lang="zh-CN" altLang="en-US"/>
           </a:p>
@@ -1044,7 +1044,7 @@
             <a:fld id="{530820CF-B880-4189-942D-D702A7CBA730}" type="datetimeFigureOut">
               <a:rPr lang="zh-CN" altLang="en-US" smtClean="0"/>
               <a:pPr/>
-              <a:t>2017/11/6</a:t>
+              <a:t>2017/11/10</a:t>
             </a:fld>
             <a:endParaRPr lang="zh-CN" altLang="en-US"/>
           </a:p>
@@ -1329,7 +1329,7 @@
             <a:fld id="{530820CF-B880-4189-942D-D702A7CBA730}" type="datetimeFigureOut">
               <a:rPr lang="zh-CN" altLang="en-US" smtClean="0"/>
               <a:pPr/>
-              <a:t>2017/11/6</a:t>
+              <a:t>2017/11/10</a:t>
             </a:fld>
             <a:endParaRPr lang="zh-CN" altLang="en-US"/>
           </a:p>
@@ -1748,7 +1748,7 @@
             <a:fld id="{530820CF-B880-4189-942D-D702A7CBA730}" type="datetimeFigureOut">
               <a:rPr lang="zh-CN" altLang="en-US" smtClean="0"/>
               <a:pPr/>
-              <a:t>2017/11/6</a:t>
+              <a:t>2017/11/10</a:t>
             </a:fld>
             <a:endParaRPr lang="zh-CN" altLang="en-US"/>
           </a:p>
@@ -1863,7 +1863,7 @@
             <a:fld id="{530820CF-B880-4189-942D-D702A7CBA730}" type="datetimeFigureOut">
               <a:rPr lang="zh-CN" altLang="en-US" smtClean="0"/>
               <a:pPr/>
-              <a:t>2017/11/6</a:t>
+              <a:t>2017/11/10</a:t>
             </a:fld>
             <a:endParaRPr lang="zh-CN" altLang="en-US"/>
           </a:p>
@@ -1955,7 +1955,7 @@
             <a:fld id="{530820CF-B880-4189-942D-D702A7CBA730}" type="datetimeFigureOut">
               <a:rPr lang="zh-CN" altLang="en-US" smtClean="0"/>
               <a:pPr/>
-              <a:t>2017/11/6</a:t>
+              <a:t>2017/11/10</a:t>
             </a:fld>
             <a:endParaRPr lang="zh-CN" altLang="en-US"/>
           </a:p>
@@ -2229,7 +2229,7 @@
             <a:fld id="{530820CF-B880-4189-942D-D702A7CBA730}" type="datetimeFigureOut">
               <a:rPr lang="zh-CN" altLang="en-US" smtClean="0"/>
               <a:pPr/>
-              <a:t>2017/11/6</a:t>
+              <a:t>2017/11/10</a:t>
             </a:fld>
             <a:endParaRPr lang="zh-CN" altLang="en-US"/>
           </a:p>
@@ -2479,7 +2479,7 @@
             <a:fld id="{530820CF-B880-4189-942D-D702A7CBA730}" type="datetimeFigureOut">
               <a:rPr lang="zh-CN" altLang="en-US" smtClean="0"/>
               <a:pPr/>
-              <a:t>2017/11/6</a:t>
+              <a:t>2017/11/10</a:t>
             </a:fld>
             <a:endParaRPr lang="zh-CN" altLang="en-US"/>
           </a:p>
@@ -2689,7 +2689,7 @@
             <a:fld id="{530820CF-B880-4189-942D-D702A7CBA730}" type="datetimeFigureOut">
               <a:rPr lang="zh-CN" altLang="en-US" smtClean="0"/>
               <a:pPr/>
-              <a:t>2017/11/6</a:t>
+              <a:t>2017/11/10</a:t>
             </a:fld>
             <a:endParaRPr lang="zh-CN" altLang="en-US"/>
           </a:p>
@@ -4578,8 +4578,8 @@
         </p:nvSpPr>
         <p:spPr>
           <a:xfrm>
-            <a:off x="2928926" y="4143380"/>
-            <a:ext cx="1714512" cy="1285884"/>
+            <a:off x="2857488" y="4071942"/>
+            <a:ext cx="1785950" cy="1357322"/>
           </a:xfrm>
           <a:prstGeom prst="borderCallout1">
             <a:avLst>
@@ -4639,7 +4639,7 @@
                   <a:schemeClr val="tx1"/>
                 </a:solidFill>
               </a:rPr>
-              <a:t>支付结果页</a:t>
+              <a:t>支付结果</a:t>
             </a:r>
             <a:r>
               <a:rPr lang="zh-CN" altLang="en-US" dirty="0" smtClean="0">
@@ -4647,7 +4647,23 @@
                   <a:schemeClr val="tx1"/>
                 </a:solidFill>
               </a:rPr>
-              <a:t>，</a:t>
+              <a:t>页（校验通知</a:t>
+            </a:r>
+            <a:r>
+              <a:rPr lang="en-US" altLang="zh-CN" dirty="0" smtClean="0">
+                <a:solidFill>
+                  <a:schemeClr val="tx1"/>
+                </a:solidFill>
+              </a:rPr>
+              <a:t>id</a:t>
+            </a:r>
+            <a:r>
+              <a:rPr lang="zh-CN" altLang="en-US" dirty="0" smtClean="0">
+                <a:solidFill>
+                  <a:schemeClr val="tx1"/>
+                </a:solidFill>
+              </a:rPr>
+              <a:t>），</a:t>
             </a:r>
             <a:endParaRPr lang="en-US" altLang="zh-CN" dirty="0" smtClean="0">
               <a:solidFill>
@@ -4671,7 +4687,7 @@
                   <a:srgbClr val="C00000"/>
                 </a:solidFill>
               </a:rPr>
-              <a:t>、</a:t>
+              <a:t>、进行支付结果推</a:t>
             </a:r>
             <a:r>
               <a:rPr lang="zh-CN" altLang="en-US" dirty="0" smtClean="0">
@@ -4679,7 +4695,15 @@
                   <a:srgbClr val="C00000"/>
                 </a:solidFill>
               </a:rPr>
-              <a:t>进行</a:t>
+              <a:t>送（校验通知</a:t>
+            </a:r>
+            <a:r>
+              <a:rPr lang="en-US" altLang="zh-CN" dirty="0" smtClean="0">
+                <a:solidFill>
+                  <a:srgbClr val="C00000"/>
+                </a:solidFill>
+              </a:rPr>
+              <a:t>id</a:t>
             </a:r>
             <a:r>
               <a:rPr lang="zh-CN" altLang="en-US" dirty="0" smtClean="0">
@@ -4687,55 +4711,13 @@
                   <a:srgbClr val="C00000"/>
                 </a:solidFill>
               </a:rPr>
-              <a:t>支付结果推送</a:t>
+              <a:t>）</a:t>
             </a:r>
             <a:endParaRPr lang="zh-CN" altLang="en-US" dirty="0">
               <a:solidFill>
                 <a:srgbClr val="C00000"/>
               </a:solidFill>
             </a:endParaRPr>
-          </a:p>
-        </p:txBody>
-      </p:sp>
-      <p:sp>
-        <p:nvSpPr>
-          <p:cNvPr id="57" name="椭圆 56"/>
-          <p:cNvSpPr/>
-          <p:nvPr/>
-        </p:nvSpPr>
-        <p:spPr>
-          <a:xfrm>
-            <a:off x="3643306" y="3071834"/>
-            <a:ext cx="500066" cy="428604"/>
-          </a:xfrm>
-          <a:prstGeom prst="ellipse">
-            <a:avLst/>
-          </a:prstGeom>
-        </p:spPr>
-        <p:style>
-          <a:lnRef idx="1">
-            <a:schemeClr val="dk1"/>
-          </a:lnRef>
-          <a:fillRef idx="2">
-            <a:schemeClr val="dk1"/>
-          </a:fillRef>
-          <a:effectRef idx="1">
-            <a:schemeClr val="dk1"/>
-          </a:effectRef>
-          <a:fontRef idx="minor">
-            <a:schemeClr val="dk1"/>
-          </a:fontRef>
-        </p:style>
-        <p:txBody>
-          <a:bodyPr rtlCol="0" anchor="ctr"/>
-          <a:lstStyle/>
-          <a:p>
-            <a:pPr algn="ctr"/>
-            <a:r>
-              <a:rPr lang="en-US" altLang="zh-CN" dirty="0" smtClean="0"/>
-              <a:t>6</a:t>
-            </a:r>
-            <a:endParaRPr lang="zh-CN" altLang="en-US" dirty="0"/>
           </a:p>
         </p:txBody>
       </p:sp>
@@ -5159,6 +5141,81 @@
           </a:fontRef>
         </p:style>
       </p:cxnSp>
+      <p:cxnSp>
+        <p:nvCxnSpPr>
+          <p:cNvPr id="38" name="直接箭头连接符 37"/>
+          <p:cNvCxnSpPr/>
+          <p:nvPr/>
+        </p:nvCxnSpPr>
+        <p:spPr>
+          <a:xfrm>
+            <a:off x="2143108" y="1643050"/>
+            <a:ext cx="2500330" cy="2428892"/>
+          </a:xfrm>
+          <a:prstGeom prst="straightConnector1">
+            <a:avLst/>
+          </a:prstGeom>
+          <a:ln>
+            <a:tailEnd type="arrow"/>
+          </a:ln>
+        </p:spPr>
+        <p:style>
+          <a:lnRef idx="3">
+            <a:schemeClr val="accent2"/>
+          </a:lnRef>
+          <a:fillRef idx="0">
+            <a:schemeClr val="accent2"/>
+          </a:fillRef>
+          <a:effectRef idx="2">
+            <a:schemeClr val="accent2"/>
+          </a:effectRef>
+          <a:fontRef idx="minor">
+            <a:schemeClr val="tx1"/>
+          </a:fontRef>
+        </p:style>
+      </p:cxnSp>
+      <p:sp>
+        <p:nvSpPr>
+          <p:cNvPr id="57" name="椭圆 56"/>
+          <p:cNvSpPr/>
+          <p:nvPr/>
+        </p:nvSpPr>
+        <p:spPr>
+          <a:xfrm>
+            <a:off x="3643306" y="3071834"/>
+            <a:ext cx="500066" cy="428604"/>
+          </a:xfrm>
+          <a:prstGeom prst="ellipse">
+            <a:avLst/>
+          </a:prstGeom>
+        </p:spPr>
+        <p:style>
+          <a:lnRef idx="1">
+            <a:schemeClr val="dk1"/>
+          </a:lnRef>
+          <a:fillRef idx="2">
+            <a:schemeClr val="dk1"/>
+          </a:fillRef>
+          <a:effectRef idx="1">
+            <a:schemeClr val="dk1"/>
+          </a:effectRef>
+          <a:fontRef idx="minor">
+            <a:schemeClr val="dk1"/>
+          </a:fontRef>
+        </p:style>
+        <p:txBody>
+          <a:bodyPr rtlCol="0" anchor="ctr"/>
+          <a:lstStyle/>
+          <a:p>
+            <a:pPr algn="ctr"/>
+            <a:r>
+              <a:rPr lang="en-US" altLang="zh-CN" dirty="0" smtClean="0"/>
+              <a:t>6</a:t>
+            </a:r>
+            <a:endParaRPr lang="zh-CN" altLang="en-US" dirty="0"/>
+          </a:p>
+        </p:txBody>
+      </p:sp>
     </p:spTree>
   </p:cSld>
   <p:clrMapOvr>
